--- a/Cost_Optimization.pptx
+++ b/Cost_Optimization.pptx
@@ -107,6 +107,11 @@
       </a:defRPr>
     </a:lvl9pPr>
   </p:defaultTextStyle>
+  <p:extLst>
+    <p:ext uri="{EFAFB233-063F-42B5-8137-9DF3F51BA10A}">
+      <p15:sldGuideLst xmlns:p15="http://schemas.microsoft.com/office/powerpoint/2012/main"/>
+    </p:ext>
+  </p:extLst>
 </p:presentation>
 </file>
 
@@ -3703,14 +3708,34 @@
                         <a:buNone/>
                       </a:pPr>
                       <a:r>
-                        <a:rPr lang="en-US" sz="1400">
-                          <a:solidFill>
-                            <a:srgbClr val="000000"/>
-                          </a:solidFill>
-                          <a:effectLst/>
-                          <a:latin typeface="+mn-lt"/>
-                        </a:rPr>
-                        <a:t>- Standard: $0.023/GB/month - Nearline: $0.010/GB/month - Coldline: $0.004/GB/month - Archive: $0.0022/GB/month</a:t>
+                        <a:rPr lang="en-US" sz="1400" dirty="0">
+                          <a:solidFill>
+                            <a:srgbClr val="000000"/>
+                          </a:solidFill>
+                          <a:effectLst/>
+                          <a:latin typeface="+mn-lt"/>
+                        </a:rPr>
+                        <a:t>- Standard: $0.023/GB/month - Nearline: $0.010/GB/month - </a:t>
+                      </a:r>
+                      <a:r>
+                        <a:rPr lang="en-US" sz="1400" dirty="0" err="1">
+                          <a:solidFill>
+                            <a:srgbClr val="000000"/>
+                          </a:solidFill>
+                          <a:effectLst/>
+                          <a:latin typeface="+mn-lt"/>
+                        </a:rPr>
+                        <a:t>Coldline</a:t>
+                      </a:r>
+                      <a:r>
+                        <a:rPr lang="en-US" sz="1400" dirty="0">
+                          <a:solidFill>
+                            <a:srgbClr val="000000"/>
+                          </a:solidFill>
+                          <a:effectLst/>
+                          <a:latin typeface="+mn-lt"/>
+                        </a:rPr>
+                        <a:t>: $0.004/GB/month - Archive: $0.0022/GB/month</a:t>
                       </a:r>
                     </a:p>
                   </a:txBody>
@@ -4452,7 +4477,7 @@
             <p:ph idx="1"/>
             <p:extLst>
               <p:ext uri="{D42A27DB-BD31-4B8C-83A1-F6EECF244321}">
-                <p14:modId xmlns:p14="http://schemas.microsoft.com/office/powerpoint/2010/main" val="501605909"/>
+                <p14:modId xmlns:p14="http://schemas.microsoft.com/office/powerpoint/2010/main" val="4041075631"/>
               </p:ext>
             </p:extLst>
           </p:nvPr>
@@ -4602,7 +4627,7 @@
                         <a:buNone/>
                       </a:pPr>
                       <a:r>
-                        <a:rPr lang="en-IN" sz="1200">
+                        <a:rPr lang="en-IN" sz="1200" dirty="0">
                           <a:solidFill>
                             <a:srgbClr val="000000"/>
                           </a:solidFill>
@@ -4697,7 +4722,7 @@
                         <a:buNone/>
                       </a:pPr>
                       <a:r>
-                        <a:rPr lang="en-IN" sz="1200">
+                        <a:rPr lang="en-IN" sz="1200" dirty="0">
                           <a:solidFill>
                             <a:srgbClr val="000000"/>
                           </a:solidFill>
@@ -5691,40 +5716,634 @@
             <p:ph type="title"/>
           </p:nvPr>
         </p:nvSpPr>
-        <p:spPr/>
-        <p:txBody>
-          <a:bodyPr/>
+        <p:spPr>
+          <a:xfrm>
+            <a:off x="765048" y="376393"/>
+            <a:ext cx="10515600" cy="348107"/>
+          </a:xfrm>
+        </p:spPr>
+        <p:txBody>
+          <a:bodyPr>
+            <a:normAutofit/>
+          </a:bodyPr>
           <a:lstStyle/>
           <a:p>
-            <a:endParaRPr lang="en-IN"/>
-          </a:p>
-        </p:txBody>
-      </p:sp>
-      <p:sp>
-        <p:nvSpPr>
-          <p:cNvPr id="3" name="Content Placeholder 2">
-            <a:extLst>
-              <a:ext uri="{FF2B5EF4-FFF2-40B4-BE49-F238E27FC236}">
-                <a16:creationId xmlns:a16="http://schemas.microsoft.com/office/drawing/2014/main" id="{13DC2E41-335F-DB12-881F-E5D5271307F9}"/>
-              </a:ext>
-            </a:extLst>
-          </p:cNvPr>
-          <p:cNvSpPr>
-            <a:spLocks noGrp="1"/>
-          </p:cNvSpPr>
+            <a:r>
+              <a:rPr lang="en-IN" sz="1800" b="1" dirty="0">
+                <a:latin typeface="+mn-lt"/>
+              </a:rPr>
+              <a:t>GKE Cost Drivers</a:t>
+            </a:r>
+          </a:p>
+        </p:txBody>
+      </p:sp>
+      <p:graphicFrame>
+        <p:nvGraphicFramePr>
+          <p:cNvPr id="4" name="Content Placeholder 3">
+            <a:extLst>
+              <a:ext uri="{FF2B5EF4-FFF2-40B4-BE49-F238E27FC236}">
+                <a16:creationId xmlns:a16="http://schemas.microsoft.com/office/drawing/2014/main" id="{1D0C2C7B-6840-894E-FFBA-E38C817FF449}"/>
+              </a:ext>
+            </a:extLst>
+          </p:cNvPr>
+          <p:cNvGraphicFramePr>
+            <a:graphicFrameLocks noGrp="1"/>
+          </p:cNvGraphicFramePr>
           <p:nvPr>
             <p:ph idx="1"/>
-          </p:nvPr>
-        </p:nvSpPr>
-        <p:spPr/>
-        <p:txBody>
-          <a:bodyPr/>
-          <a:lstStyle/>
-          <a:p>
-            <a:endParaRPr lang="en-IN"/>
-          </a:p>
-        </p:txBody>
-      </p:sp>
+            <p:extLst>
+              <p:ext uri="{D42A27DB-BD31-4B8C-83A1-F6EECF244321}">
+                <p14:modId xmlns:p14="http://schemas.microsoft.com/office/powerpoint/2010/main" val="537847770"/>
+              </p:ext>
+            </p:extLst>
+          </p:nvPr>
+        </p:nvGraphicFramePr>
+        <p:xfrm>
+          <a:off x="838203" y="993520"/>
+          <a:ext cx="10765533" cy="5488087"/>
+        </p:xfrm>
+        <a:graphic>
+          <a:graphicData uri="http://schemas.openxmlformats.org/drawingml/2006/table">
+            <a:tbl>
+              <a:tblPr firstRow="1" bandRow="1">
+                <a:tableStyleId>{5C22544A-7EE6-4342-B048-85BDC9FD1C3A}</a:tableStyleId>
+              </a:tblPr>
+              <a:tblGrid>
+                <a:gridCol w="3588511">
+                  <a:extLst>
+                    <a:ext uri="{9D8B030D-6E8A-4147-A177-3AD203B41FA5}">
+                      <a16:colId xmlns:a16="http://schemas.microsoft.com/office/drawing/2014/main" val="1102372654"/>
+                    </a:ext>
+                  </a:extLst>
+                </a:gridCol>
+                <a:gridCol w="3588511">
+                  <a:extLst>
+                    <a:ext uri="{9D8B030D-6E8A-4147-A177-3AD203B41FA5}">
+                      <a16:colId xmlns:a16="http://schemas.microsoft.com/office/drawing/2014/main" val="905409914"/>
+                    </a:ext>
+                  </a:extLst>
+                </a:gridCol>
+                <a:gridCol w="3588511">
+                  <a:extLst>
+                    <a:ext uri="{9D8B030D-6E8A-4147-A177-3AD203B41FA5}">
+                      <a16:colId xmlns:a16="http://schemas.microsoft.com/office/drawing/2014/main" val="390644109"/>
+                    </a:ext>
+                  </a:extLst>
+                </a:gridCol>
+              </a:tblGrid>
+              <a:tr h="569887">
+                <a:tc>
+                  <a:txBody>
+                    <a:bodyPr/>
+                    <a:lstStyle/>
+                    <a:p>
+                      <a:pPr>
+                        <a:buNone/>
+                      </a:pPr>
+                      <a:r>
+                        <a:rPr lang="en-IN" sz="1200" b="1" u="none" strike="noStrike" dirty="0">
+                          <a:effectLst/>
+                          <a:latin typeface="+mn-lt"/>
+                        </a:rPr>
+                        <a:t>Cost Driver</a:t>
+                      </a:r>
+                    </a:p>
+                  </a:txBody>
+                  <a:tcPr anchor="ctr"/>
+                </a:tc>
+                <a:tc>
+                  <a:txBody>
+                    <a:bodyPr/>
+                    <a:lstStyle/>
+                    <a:p>
+                      <a:pPr>
+                        <a:buNone/>
+                      </a:pPr>
+                      <a:r>
+                        <a:rPr lang="en-IN" sz="1200" b="1" u="none" strike="noStrike">
+                          <a:effectLst/>
+                          <a:latin typeface="+mn-lt"/>
+                        </a:rPr>
+                        <a:t>Description</a:t>
+                      </a:r>
+                    </a:p>
+                  </a:txBody>
+                  <a:tcPr anchor="ctr"/>
+                </a:tc>
+                <a:tc>
+                  <a:txBody>
+                    <a:bodyPr/>
+                    <a:lstStyle/>
+                    <a:p>
+                      <a:pPr>
+                        <a:buNone/>
+                      </a:pPr>
+                      <a:r>
+                        <a:rPr lang="en-IN" sz="1200" b="1" u="none" strike="noStrike">
+                          <a:effectLst/>
+                          <a:latin typeface="+mn-lt"/>
+                        </a:rPr>
+                        <a:t>Example Cost (30 Days)</a:t>
+                      </a:r>
+                    </a:p>
+                  </a:txBody>
+                  <a:tcPr anchor="ctr"/>
+                </a:tc>
+                <a:extLst>
+                  <a:ext uri="{0D108BD9-81ED-4DB2-BD59-A6C34878D82A}">
+                    <a16:rowId xmlns:a16="http://schemas.microsoft.com/office/drawing/2014/main" val="3600168613"/>
+                  </a:ext>
+                </a:extLst>
+              </a:tr>
+              <a:tr h="702600">
+                <a:tc>
+                  <a:txBody>
+                    <a:bodyPr/>
+                    <a:lstStyle/>
+                    <a:p>
+                      <a:pPr>
+                        <a:buNone/>
+                      </a:pPr>
+                      <a:r>
+                        <a:rPr lang="en-IN" sz="1200" b="1" u="none" strike="noStrike">
+                          <a:effectLst/>
+                          <a:latin typeface="+mn-lt"/>
+                        </a:rPr>
+                        <a:t>Cluster Management Fee</a:t>
+                      </a:r>
+                      <a:endParaRPr lang="en-IN" sz="1200" u="none" strike="noStrike">
+                        <a:effectLst/>
+                        <a:latin typeface="+mn-lt"/>
+                      </a:endParaRPr>
+                    </a:p>
+                  </a:txBody>
+                  <a:tcPr anchor="ctr"/>
+                </a:tc>
+                <a:tc>
+                  <a:txBody>
+                    <a:bodyPr/>
+                    <a:lstStyle/>
+                    <a:p>
+                      <a:pPr>
+                        <a:buNone/>
+                      </a:pPr>
+                      <a:r>
+                        <a:rPr lang="en-US" sz="1200" u="none" strike="noStrike">
+                          <a:effectLst/>
+                          <a:latin typeface="+mn-lt"/>
+                        </a:rPr>
+                        <a:t>Fixed fee per cluster per hour. One zonal cluster per billing account is free (up to 720 hours/month).</a:t>
+                      </a:r>
+                    </a:p>
+                  </a:txBody>
+                  <a:tcPr anchor="ctr"/>
+                </a:tc>
+                <a:tc>
+                  <a:txBody>
+                    <a:bodyPr/>
+                    <a:lstStyle/>
+                    <a:p>
+                      <a:pPr>
+                        <a:buNone/>
+                      </a:pPr>
+                      <a:r>
+                        <a:rPr lang="en-US" sz="1200" u="none" strike="noStrike">
+                          <a:effectLst/>
+                          <a:latin typeface="+mn-lt"/>
+                        </a:rPr>
+                        <a:t>$73 (1 standard cluster, $0.10/hour × 730 hours, assuming no free tier).</a:t>
+                      </a:r>
+                    </a:p>
+                  </a:txBody>
+                  <a:tcPr anchor="ctr"/>
+                </a:tc>
+                <a:extLst>
+                  <a:ext uri="{0D108BD9-81ED-4DB2-BD59-A6C34878D82A}">
+                    <a16:rowId xmlns:a16="http://schemas.microsoft.com/office/drawing/2014/main" val="2357710419"/>
+                  </a:ext>
+                </a:extLst>
+              </a:tr>
+              <a:tr h="702600">
+                <a:tc>
+                  <a:txBody>
+                    <a:bodyPr/>
+                    <a:lstStyle/>
+                    <a:p>
+                      <a:pPr>
+                        <a:buNone/>
+                      </a:pPr>
+                      <a:r>
+                        <a:rPr lang="en-IN" sz="1200" b="1" u="none" strike="noStrike" dirty="0">
+                          <a:effectLst/>
+                          <a:latin typeface="+mn-lt"/>
+                        </a:rPr>
+                        <a:t>Compute Resources (Nodes)</a:t>
+                      </a:r>
+                      <a:endParaRPr lang="en-IN" sz="1200" u="none" strike="noStrike" dirty="0">
+                        <a:effectLst/>
+                        <a:latin typeface="+mn-lt"/>
+                      </a:endParaRPr>
+                    </a:p>
+                  </a:txBody>
+                  <a:tcPr anchor="ctr"/>
+                </a:tc>
+                <a:tc>
+                  <a:txBody>
+                    <a:bodyPr/>
+                    <a:lstStyle/>
+                    <a:p>
+                      <a:pPr>
+                        <a:buNone/>
+                      </a:pPr>
+                      <a:r>
+                        <a:rPr lang="en-US" sz="1200" u="none" strike="noStrike">
+                          <a:effectLst/>
+                          <a:latin typeface="+mn-lt"/>
+                        </a:rPr>
+                        <a:t>Costs for Compute Engine instances (vCPUs, memory) used by worker nodes in Standard mode.</a:t>
+                      </a:r>
+                    </a:p>
+                  </a:txBody>
+                  <a:tcPr anchor="ctr"/>
+                </a:tc>
+                <a:tc>
+                  <a:txBody>
+                    <a:bodyPr/>
+                    <a:lstStyle/>
+                    <a:p>
+                      <a:pPr>
+                        <a:buNone/>
+                      </a:pPr>
+                      <a:r>
+                        <a:rPr lang="en-US" sz="1200" u="none" strike="noStrike">
+                          <a:effectLst/>
+                          <a:latin typeface="+mn-lt"/>
+                        </a:rPr>
+                        <a:t>$150.45 (3 n1-standard-2 nodes, ~$0.068/vCPU/hour, 2 vCPUs each, 730 hours).</a:t>
+                      </a:r>
+                    </a:p>
+                  </a:txBody>
+                  <a:tcPr anchor="ctr"/>
+                </a:tc>
+                <a:extLst>
+                  <a:ext uri="{0D108BD9-81ED-4DB2-BD59-A6C34878D82A}">
+                    <a16:rowId xmlns:a16="http://schemas.microsoft.com/office/drawing/2014/main" val="121637908"/>
+                  </a:ext>
+                </a:extLst>
+              </a:tr>
+              <a:tr h="702600">
+                <a:tc>
+                  <a:txBody>
+                    <a:bodyPr/>
+                    <a:lstStyle/>
+                    <a:p>
+                      <a:pPr>
+                        <a:buNone/>
+                      </a:pPr>
+                      <a:r>
+                        <a:rPr lang="en-IN" sz="1200" b="1" u="none" strike="noStrike" dirty="0">
+                          <a:effectLst/>
+                          <a:latin typeface="+mn-lt"/>
+                        </a:rPr>
+                        <a:t>Autopilot Pod Resources</a:t>
+                      </a:r>
+                      <a:endParaRPr lang="en-IN" sz="1200" u="none" strike="noStrike" dirty="0">
+                        <a:effectLst/>
+                        <a:latin typeface="+mn-lt"/>
+                      </a:endParaRPr>
+                    </a:p>
+                  </a:txBody>
+                  <a:tcPr anchor="ctr"/>
+                </a:tc>
+                <a:tc>
+                  <a:txBody>
+                    <a:bodyPr/>
+                    <a:lstStyle/>
+                    <a:p>
+                      <a:pPr>
+                        <a:buNone/>
+                      </a:pPr>
+                      <a:r>
+                        <a:rPr lang="en-US" sz="1200" u="none" strike="noStrike">
+                          <a:effectLst/>
+                          <a:latin typeface="+mn-lt"/>
+                        </a:rPr>
+                        <a:t>In Autopilot mode, charges for vCPU and memory allocated to pods, not nodes.</a:t>
+                      </a:r>
+                    </a:p>
+                  </a:txBody>
+                  <a:tcPr anchor="ctr"/>
+                </a:tc>
+                <a:tc>
+                  <a:txBody>
+                    <a:bodyPr/>
+                    <a:lstStyle/>
+                    <a:p>
+                      <a:pPr>
+                        <a:buNone/>
+                      </a:pPr>
+                      <a:r>
+                        <a:rPr lang="en-US" sz="1200" u="none" strike="noStrike">
+                          <a:effectLst/>
+                          <a:latin typeface="+mn-lt"/>
+                        </a:rPr>
+                        <a:t>$200 (2 vCPUs at $0.045/hour, 4 GB memory at $0.006/GB/hour, 730 hours).</a:t>
+                      </a:r>
+                    </a:p>
+                  </a:txBody>
+                  <a:tcPr anchor="ctr"/>
+                </a:tc>
+                <a:extLst>
+                  <a:ext uri="{0D108BD9-81ED-4DB2-BD59-A6C34878D82A}">
+                    <a16:rowId xmlns:a16="http://schemas.microsoft.com/office/drawing/2014/main" val="3891637535"/>
+                  </a:ext>
+                </a:extLst>
+              </a:tr>
+              <a:tr h="702600">
+                <a:tc>
+                  <a:txBody>
+                    <a:bodyPr/>
+                    <a:lstStyle/>
+                    <a:p>
+                      <a:pPr>
+                        <a:buNone/>
+                      </a:pPr>
+                      <a:r>
+                        <a:rPr lang="en-IN" sz="1200" b="1" u="none" strike="noStrike">
+                          <a:effectLst/>
+                          <a:latin typeface="+mn-lt"/>
+                        </a:rPr>
+                        <a:t>Persistent Disks</a:t>
+                      </a:r>
+                      <a:endParaRPr lang="en-IN" sz="1200" u="none" strike="noStrike">
+                        <a:effectLst/>
+                        <a:latin typeface="+mn-lt"/>
+                      </a:endParaRPr>
+                    </a:p>
+                  </a:txBody>
+                  <a:tcPr anchor="ctr"/>
+                </a:tc>
+                <a:tc>
+                  <a:txBody>
+                    <a:bodyPr/>
+                    <a:lstStyle/>
+                    <a:p>
+                      <a:pPr>
+                        <a:buNone/>
+                      </a:pPr>
+                      <a:r>
+                        <a:rPr lang="en-US" sz="1200" u="none" strike="noStrike" dirty="0">
+                          <a:effectLst/>
+                          <a:latin typeface="+mn-lt"/>
+                        </a:rPr>
+                        <a:t>Storage for workloads (e.g., Standard, SSD). Billed based on provisioned capacity.</a:t>
+                      </a:r>
+                    </a:p>
+                  </a:txBody>
+                  <a:tcPr anchor="ctr"/>
+                </a:tc>
+                <a:tc>
+                  <a:txBody>
+                    <a:bodyPr/>
+                    <a:lstStyle/>
+                    <a:p>
+                      <a:pPr>
+                        <a:buNone/>
+                      </a:pPr>
+                      <a:r>
+                        <a:rPr lang="en-IN" sz="1200" u="none" strike="noStrike">
+                          <a:effectLst/>
+                          <a:latin typeface="+mn-lt"/>
+                        </a:rPr>
+                        <a:t>$40 (100 GB SSD at $0.17/GB/month).</a:t>
+                      </a:r>
+                    </a:p>
+                  </a:txBody>
+                  <a:tcPr anchor="ctr"/>
+                </a:tc>
+                <a:extLst>
+                  <a:ext uri="{0D108BD9-81ED-4DB2-BD59-A6C34878D82A}">
+                    <a16:rowId xmlns:a16="http://schemas.microsoft.com/office/drawing/2014/main" val="3506507906"/>
+                  </a:ext>
+                </a:extLst>
+              </a:tr>
+              <a:tr h="702600">
+                <a:tc>
+                  <a:txBody>
+                    <a:bodyPr/>
+                    <a:lstStyle/>
+                    <a:p>
+                      <a:pPr>
+                        <a:buNone/>
+                      </a:pPr>
+                      <a:r>
+                        <a:rPr lang="en-IN" sz="1200" b="1" u="none" strike="noStrike">
+                          <a:effectLst/>
+                          <a:latin typeface="+mn-lt"/>
+                        </a:rPr>
+                        <a:t>Load Balancers</a:t>
+                      </a:r>
+                      <a:endParaRPr lang="en-IN" sz="1200" u="none" strike="noStrike">
+                        <a:effectLst/>
+                        <a:latin typeface="+mn-lt"/>
+                      </a:endParaRPr>
+                    </a:p>
+                  </a:txBody>
+                  <a:tcPr anchor="ctr"/>
+                </a:tc>
+                <a:tc>
+                  <a:txBody>
+                    <a:bodyPr/>
+                    <a:lstStyle/>
+                    <a:p>
+                      <a:pPr>
+                        <a:buNone/>
+                      </a:pPr>
+                      <a:r>
+                        <a:rPr lang="en-US" sz="1200" u="none" strike="noStrike">
+                          <a:effectLst/>
+                          <a:latin typeface="+mn-lt"/>
+                        </a:rPr>
+                        <a:t>Costs for HTTP(S) or TCP/UDP load balancers used by GKE services.</a:t>
+                      </a:r>
+                    </a:p>
+                  </a:txBody>
+                  <a:tcPr anchor="ctr"/>
+                </a:tc>
+                <a:tc>
+                  <a:txBody>
+                    <a:bodyPr/>
+                    <a:lstStyle/>
+                    <a:p>
+                      <a:pPr>
+                        <a:buNone/>
+                      </a:pPr>
+                      <a:r>
+                        <a:rPr lang="en-US" sz="1200" u="none" strike="noStrike">
+                          <a:effectLst/>
+                          <a:latin typeface="+mn-lt"/>
+                        </a:rPr>
+                        <a:t>$18.25 (1 HTTP load balancer, $0.025/hour × 730 hours).</a:t>
+                      </a:r>
+                    </a:p>
+                  </a:txBody>
+                  <a:tcPr anchor="ctr"/>
+                </a:tc>
+                <a:extLst>
+                  <a:ext uri="{0D108BD9-81ED-4DB2-BD59-A6C34878D82A}">
+                    <a16:rowId xmlns:a16="http://schemas.microsoft.com/office/drawing/2014/main" val="1888460102"/>
+                  </a:ext>
+                </a:extLst>
+              </a:tr>
+              <a:tr h="702600">
+                <a:tc>
+                  <a:txBody>
+                    <a:bodyPr/>
+                    <a:lstStyle/>
+                    <a:p>
+                      <a:pPr>
+                        <a:buNone/>
+                      </a:pPr>
+                      <a:r>
+                        <a:rPr lang="en-IN" sz="1200" b="1" u="none" strike="noStrike" dirty="0">
+                          <a:effectLst/>
+                          <a:latin typeface="+mn-lt"/>
+                        </a:rPr>
+                        <a:t>Network Egress</a:t>
+                      </a:r>
+                      <a:endParaRPr lang="en-IN" sz="1200" u="none" strike="noStrike" dirty="0">
+                        <a:effectLst/>
+                        <a:latin typeface="+mn-lt"/>
+                      </a:endParaRPr>
+                    </a:p>
+                  </a:txBody>
+                  <a:tcPr anchor="ctr"/>
+                </a:tc>
+                <a:tc>
+                  <a:txBody>
+                    <a:bodyPr/>
+                    <a:lstStyle/>
+                    <a:p>
+                      <a:pPr>
+                        <a:buNone/>
+                      </a:pPr>
+                      <a:r>
+                        <a:rPr lang="en-US" sz="1200" u="none" strike="noStrike">
+                          <a:effectLst/>
+                          <a:latin typeface="+mn-lt"/>
+                        </a:rPr>
+                        <a:t>Data transfer costs for traffic leaving GCP (e.g., to the internet or other regions).</a:t>
+                      </a:r>
+                    </a:p>
+                  </a:txBody>
+                  <a:tcPr anchor="ctr"/>
+                </a:tc>
+                <a:tc>
+                  <a:txBody>
+                    <a:bodyPr/>
+                    <a:lstStyle/>
+                    <a:p>
+                      <a:pPr>
+                        <a:buNone/>
+                      </a:pPr>
+                      <a:r>
+                        <a:rPr lang="en-US" sz="1200" u="none" strike="noStrike" dirty="0">
+                          <a:effectLst/>
+                          <a:latin typeface="+mn-lt"/>
+                        </a:rPr>
+                        <a:t>$10 (50 GB egress to the internet at $0.20/GB).</a:t>
+                      </a:r>
+                    </a:p>
+                    <a:p>
+                      <a:pPr>
+                        <a:buNone/>
+                      </a:pPr>
+                      <a:endParaRPr lang="en-US" sz="1200" u="none" strike="noStrike" dirty="0">
+                        <a:effectLst/>
+                        <a:latin typeface="+mn-lt"/>
+                      </a:endParaRPr>
+                    </a:p>
+                  </a:txBody>
+                  <a:tcPr anchor="ctr"/>
+                </a:tc>
+                <a:extLst>
+                  <a:ext uri="{0D108BD9-81ED-4DB2-BD59-A6C34878D82A}">
+                    <a16:rowId xmlns:a16="http://schemas.microsoft.com/office/drawing/2014/main" val="226888595"/>
+                  </a:ext>
+                </a:extLst>
+              </a:tr>
+              <a:tr h="702600">
+                <a:tc>
+                  <a:txBody>
+                    <a:bodyPr/>
+                    <a:lstStyle/>
+                    <a:p>
+                      <a:pPr>
+                        <a:buNone/>
+                      </a:pPr>
+                      <a:r>
+                        <a:rPr lang="en-IN" sz="1200" b="1" u="none" strike="noStrike" dirty="0">
+                          <a:effectLst/>
+                          <a:latin typeface="+mn-lt"/>
+                        </a:rPr>
+                        <a:t>Other Resources</a:t>
+                      </a:r>
+                      <a:endParaRPr lang="en-IN" sz="1200" u="none" strike="noStrike" dirty="0">
+                        <a:effectLst/>
+                        <a:latin typeface="+mn-lt"/>
+                      </a:endParaRPr>
+                    </a:p>
+                  </a:txBody>
+                  <a:tcPr anchor="ctr"/>
+                </a:tc>
+                <a:tc>
+                  <a:txBody>
+                    <a:bodyPr/>
+                    <a:lstStyle/>
+                    <a:p>
+                      <a:pPr>
+                        <a:buNone/>
+                      </a:pPr>
+                      <a:r>
+                        <a:rPr lang="en-US" sz="1200" u="none" strike="noStrike">
+                          <a:effectLst/>
+                          <a:latin typeface="+mn-lt"/>
+                        </a:rPr>
+                        <a:t>Additional services like Cloud Logging, Monitoring, or IP addresses.</a:t>
+                      </a:r>
+                    </a:p>
+                  </a:txBody>
+                  <a:tcPr anchor="ctr"/>
+                </a:tc>
+                <a:tc>
+                  <a:txBody>
+                    <a:bodyPr/>
+                    <a:lstStyle/>
+                    <a:p>
+                      <a:pPr>
+                        <a:buNone/>
+                      </a:pPr>
+                      <a:r>
+                        <a:rPr lang="da-DK" sz="1200" u="none" strike="noStrike" dirty="0">
+                          <a:effectLst/>
+                          <a:latin typeface="+mn-lt"/>
+                        </a:rPr>
+                        <a:t>$5 (Cloud Monitoring data ingestion, ~50 GB at $0.10/GB).</a:t>
+                      </a:r>
+                    </a:p>
+                  </a:txBody>
+                  <a:tcPr anchor="ctr"/>
+                </a:tc>
+                <a:extLst>
+                  <a:ext uri="{0D108BD9-81ED-4DB2-BD59-A6C34878D82A}">
+                    <a16:rowId xmlns:a16="http://schemas.microsoft.com/office/drawing/2014/main" val="3274877991"/>
+                  </a:ext>
+                </a:extLst>
+              </a:tr>
+            </a:tbl>
+          </a:graphicData>
+        </a:graphic>
+      </p:graphicFrame>
     </p:spTree>
     <p:extLst>
       <p:ext uri="{BB962C8B-B14F-4D97-AF65-F5344CB8AC3E}">
